--- a/info/Презентация для проекта по Яндекс лицея.pptx
+++ b/info/Презентация для проекта по Яндекс лицея.pptx
@@ -8,7 +8,10 @@
     <p:sldId id="256" r:id="rId2"/>
     <p:sldId id="257" r:id="rId3"/>
     <p:sldId id="258" r:id="rId4"/>
-    <p:sldId id="259" r:id="rId5"/>
+    <p:sldId id="261" r:id="rId5"/>
+    <p:sldId id="260" r:id="rId6"/>
+    <p:sldId id="262" r:id="rId7"/>
+    <p:sldId id="259" r:id="rId8"/>
   </p:sldIdLst>
   <p:sldSz cx="9144000" cy="6858000" type="screen4x3"/>
   <p:notesSz cx="6858000" cy="9144000"/>
@@ -329,7 +332,7 @@
           <a:p>
             <a:fld id="{8A8C0594-EFCC-4135-B4F2-908EE2CC2D5A}" type="datetimeFigureOut">
               <a:rPr lang="ru-RU" smtClean="0"/>
-              <a:t>11.11.2020</a:t>
+              <a:t>12.11.2020</a:t>
             </a:fld>
             <a:endParaRPr lang="ru-RU"/>
           </a:p>
@@ -516,7 +519,7 @@
           <a:p>
             <a:fld id="{8A8C0594-EFCC-4135-B4F2-908EE2CC2D5A}" type="datetimeFigureOut">
               <a:rPr lang="ru-RU" smtClean="0"/>
-              <a:t>11.11.2020</a:t>
+              <a:t>12.11.2020</a:t>
             </a:fld>
             <a:endParaRPr lang="ru-RU"/>
           </a:p>
@@ -691,7 +694,7 @@
           <a:p>
             <a:fld id="{8A8C0594-EFCC-4135-B4F2-908EE2CC2D5A}" type="datetimeFigureOut">
               <a:rPr lang="ru-RU" smtClean="0"/>
-              <a:t>11.11.2020</a:t>
+              <a:t>12.11.2020</a:t>
             </a:fld>
             <a:endParaRPr lang="ru-RU"/>
           </a:p>
@@ -871,7 +874,7 @@
           <a:p>
             <a:fld id="{8A8C0594-EFCC-4135-B4F2-908EE2CC2D5A}" type="datetimeFigureOut">
               <a:rPr lang="ru-RU" smtClean="0"/>
-              <a:t>11.11.2020</a:t>
+              <a:t>12.11.2020</a:t>
             </a:fld>
             <a:endParaRPr lang="ru-RU"/>
           </a:p>
@@ -1118,7 +1121,7 @@
           <a:p>
             <a:fld id="{8A8C0594-EFCC-4135-B4F2-908EE2CC2D5A}" type="datetimeFigureOut">
               <a:rPr lang="ru-RU" smtClean="0"/>
-              <a:t>11.11.2020</a:t>
+              <a:t>12.11.2020</a:t>
             </a:fld>
             <a:endParaRPr lang="ru-RU"/>
           </a:p>
@@ -1592,7 +1595,7 @@
           <a:p>
             <a:fld id="{8A8C0594-EFCC-4135-B4F2-908EE2CC2D5A}" type="datetimeFigureOut">
               <a:rPr lang="ru-RU" smtClean="0"/>
-              <a:t>11.11.2020</a:t>
+              <a:t>12.11.2020</a:t>
             </a:fld>
             <a:endParaRPr lang="ru-RU"/>
           </a:p>
@@ -2007,7 +2010,7 @@
           <a:p>
             <a:fld id="{8A8C0594-EFCC-4135-B4F2-908EE2CC2D5A}" type="datetimeFigureOut">
               <a:rPr lang="ru-RU" smtClean="0"/>
-              <a:t>11.11.2020</a:t>
+              <a:t>12.11.2020</a:t>
             </a:fld>
             <a:endParaRPr lang="ru-RU"/>
           </a:p>
@@ -2138,7 +2141,7 @@
           <a:p>
             <a:fld id="{8A8C0594-EFCC-4135-B4F2-908EE2CC2D5A}" type="datetimeFigureOut">
               <a:rPr lang="ru-RU" smtClean="0"/>
-              <a:t>11.11.2020</a:t>
+              <a:t>12.11.2020</a:t>
             </a:fld>
             <a:endParaRPr lang="ru-RU"/>
           </a:p>
@@ -2233,7 +2236,7 @@
           <a:p>
             <a:fld id="{8A8C0594-EFCC-4135-B4F2-908EE2CC2D5A}" type="datetimeFigureOut">
               <a:rPr lang="ru-RU" smtClean="0"/>
-              <a:t>11.11.2020</a:t>
+              <a:t>12.11.2020</a:t>
             </a:fld>
             <a:endParaRPr lang="ru-RU"/>
           </a:p>
@@ -2511,7 +2514,7 @@
           <a:p>
             <a:fld id="{8A8C0594-EFCC-4135-B4F2-908EE2CC2D5A}" type="datetimeFigureOut">
               <a:rPr lang="ru-RU" smtClean="0"/>
-              <a:t>11.11.2020</a:t>
+              <a:t>12.11.2020</a:t>
             </a:fld>
             <a:endParaRPr lang="ru-RU"/>
           </a:p>
@@ -2763,7 +2766,7 @@
           <a:p>
             <a:fld id="{8A8C0594-EFCC-4135-B4F2-908EE2CC2D5A}" type="datetimeFigureOut">
               <a:rPr lang="ru-RU" smtClean="0"/>
-              <a:t>11.11.2020</a:t>
+              <a:t>12.11.2020</a:t>
             </a:fld>
             <a:endParaRPr lang="ru-RU"/>
           </a:p>
@@ -3135,7 +3138,7 @@
           <a:p>
             <a:fld id="{8A8C0594-EFCC-4135-B4F2-908EE2CC2D5A}" type="datetimeFigureOut">
               <a:rPr lang="ru-RU" smtClean="0"/>
-              <a:t>11.11.2020</a:t>
+              <a:t>12.11.2020</a:t>
             </a:fld>
             <a:endParaRPr lang="ru-RU"/>
           </a:p>
@@ -3679,6 +3682,13 @@
   <p:clrMapOvr>
     <a:masterClrMapping/>
   </p:clrMapOvr>
+  <p:timing>
+    <p:tnLst>
+      <p:par>
+        <p:cTn id="1" dur="indefinite" restart="never" nodeType="tmRoot"/>
+      </p:par>
+    </p:tnLst>
+  </p:timing>
 </p:sld>
 </file>
 
@@ -3859,6 +3869,13 @@
   <p:clrMapOvr>
     <a:masterClrMapping/>
   </p:clrMapOvr>
+  <p:timing>
+    <p:tnLst>
+      <p:par>
+        <p:cTn id="1" dur="indefinite" restart="never" nodeType="tmRoot"/>
+      </p:par>
+    </p:tnLst>
+  </p:timing>
 </p:sld>
 </file>
 
@@ -4128,6 +4145,13 @@
   <p:clrMapOvr>
     <a:masterClrMapping/>
   </p:clrMapOvr>
+  <p:timing>
+    <p:tnLst>
+      <p:par>
+        <p:cTn id="1" dur="indefinite" restart="never" nodeType="tmRoot"/>
+      </p:par>
+    </p:tnLst>
+  </p:timing>
 </p:sld>
 </file>
 
@@ -4148,6 +4172,207 @@
           <a:chExt cx="0" cy="0"/>
         </a:xfrm>
       </p:grpSpPr>
+      <p:pic>
+        <p:nvPicPr>
+          <p:cNvPr id="5" name="Рисунок 4"/>
+          <p:cNvPicPr>
+            <a:picLocks noChangeAspect="1"/>
+          </p:cNvPicPr>
+          <p:nvPr/>
+        </p:nvPicPr>
+        <p:blipFill>
+          <a:blip r:embed="rId2">
+            <a:extLst>
+              <a:ext uri="{28A0092B-C50C-407E-A947-70E740481C1C}">
+                <a14:useLocalDpi xmlns:a14="http://schemas.microsoft.com/office/drawing/2010/main" val="0"/>
+              </a:ext>
+            </a:extLst>
+          </a:blip>
+          <a:stretch>
+            <a:fillRect/>
+          </a:stretch>
+        </p:blipFill>
+        <p:spPr>
+          <a:xfrm>
+            <a:off x="0" y="1571730"/>
+            <a:ext cx="9144000" cy="4089518"/>
+          </a:xfrm>
+          <a:prstGeom prst="rect">
+            <a:avLst/>
+          </a:prstGeom>
+        </p:spPr>
+      </p:pic>
+    </p:spTree>
+    <p:extLst>
+      <p:ext uri="{BB962C8B-B14F-4D97-AF65-F5344CB8AC3E}">
+        <p14:creationId xmlns:p14="http://schemas.microsoft.com/office/powerpoint/2010/main" val="3890904231"/>
+      </p:ext>
+    </p:extLst>
+  </p:cSld>
+  <p:clrMapOvr>
+    <a:masterClrMapping/>
+  </p:clrMapOvr>
+  <p:timing>
+    <p:tnLst>
+      <p:par>
+        <p:cTn id="1" dur="indefinite" restart="never" nodeType="tmRoot"/>
+      </p:par>
+    </p:tnLst>
+  </p:timing>
+</p:sld>
+</file>
+
+<file path=ppt/slides/slide5.xml><?xml version="1.0" encoding="utf-8"?>
+<p:sld xmlns:a="http://schemas.openxmlformats.org/drawingml/2006/main" xmlns:r="http://schemas.openxmlformats.org/officeDocument/2006/relationships" xmlns:p="http://schemas.openxmlformats.org/presentationml/2006/main">
+  <p:cSld>
+    <p:spTree>
+      <p:nvGrpSpPr>
+        <p:cNvPr id="1" name=""/>
+        <p:cNvGrpSpPr/>
+        <p:nvPr/>
+      </p:nvGrpSpPr>
+      <p:grpSpPr>
+        <a:xfrm>
+          <a:off x="0" y="0"/>
+          <a:ext cx="0" cy="0"/>
+          <a:chOff x="0" y="0"/>
+          <a:chExt cx="0" cy="0"/>
+        </a:xfrm>
+      </p:grpSpPr>
+      <p:pic>
+        <p:nvPicPr>
+          <p:cNvPr id="4" name="Рисунок 3"/>
+          <p:cNvPicPr>
+            <a:picLocks noChangeAspect="1"/>
+          </p:cNvPicPr>
+          <p:nvPr/>
+        </p:nvPicPr>
+        <p:blipFill>
+          <a:blip r:embed="rId2">
+            <a:extLst>
+              <a:ext uri="{28A0092B-C50C-407E-A947-70E740481C1C}">
+                <a14:useLocalDpi xmlns:a14="http://schemas.microsoft.com/office/drawing/2010/main" val="0"/>
+              </a:ext>
+            </a:extLst>
+          </a:blip>
+          <a:stretch>
+            <a:fillRect/>
+          </a:stretch>
+        </p:blipFill>
+        <p:spPr>
+          <a:xfrm>
+            <a:off x="179512" y="188640"/>
+            <a:ext cx="8840334" cy="5688632"/>
+          </a:xfrm>
+          <a:prstGeom prst="rect">
+            <a:avLst/>
+          </a:prstGeom>
+        </p:spPr>
+      </p:pic>
+    </p:spTree>
+    <p:extLst>
+      <p:ext uri="{BB962C8B-B14F-4D97-AF65-F5344CB8AC3E}">
+        <p14:creationId xmlns:p14="http://schemas.microsoft.com/office/powerpoint/2010/main" val="2477914788"/>
+      </p:ext>
+    </p:extLst>
+  </p:cSld>
+  <p:clrMapOvr>
+    <a:masterClrMapping/>
+  </p:clrMapOvr>
+  <p:timing>
+    <p:tnLst>
+      <p:par>
+        <p:cTn id="1" dur="indefinite" restart="never" nodeType="tmRoot"/>
+      </p:par>
+    </p:tnLst>
+  </p:timing>
+</p:sld>
+</file>
+
+<file path=ppt/slides/slide6.xml><?xml version="1.0" encoding="utf-8"?>
+<p:sld xmlns:a="http://schemas.openxmlformats.org/drawingml/2006/main" xmlns:r="http://schemas.openxmlformats.org/officeDocument/2006/relationships" xmlns:p="http://schemas.openxmlformats.org/presentationml/2006/main">
+  <p:cSld>
+    <p:spTree>
+      <p:nvGrpSpPr>
+        <p:cNvPr id="1" name=""/>
+        <p:cNvGrpSpPr/>
+        <p:nvPr/>
+      </p:nvGrpSpPr>
+      <p:grpSpPr>
+        <a:xfrm>
+          <a:off x="0" y="0"/>
+          <a:ext cx="0" cy="0"/>
+          <a:chOff x="0" y="0"/>
+          <a:chExt cx="0" cy="0"/>
+        </a:xfrm>
+      </p:grpSpPr>
+      <p:pic>
+        <p:nvPicPr>
+          <p:cNvPr id="4" name="Рисунок 3"/>
+          <p:cNvPicPr>
+            <a:picLocks noChangeAspect="1"/>
+          </p:cNvPicPr>
+          <p:nvPr/>
+        </p:nvPicPr>
+        <p:blipFill>
+          <a:blip r:embed="rId2">
+            <a:extLst>
+              <a:ext uri="{28A0092B-C50C-407E-A947-70E740481C1C}">
+                <a14:useLocalDpi xmlns:a14="http://schemas.microsoft.com/office/drawing/2010/main" val="0"/>
+              </a:ext>
+            </a:extLst>
+          </a:blip>
+          <a:stretch>
+            <a:fillRect/>
+          </a:stretch>
+        </p:blipFill>
+        <p:spPr>
+          <a:xfrm>
+            <a:off x="0" y="1273482"/>
+            <a:ext cx="9144000" cy="4531781"/>
+          </a:xfrm>
+          <a:prstGeom prst="rect">
+            <a:avLst/>
+          </a:prstGeom>
+        </p:spPr>
+      </p:pic>
+    </p:spTree>
+    <p:extLst>
+      <p:ext uri="{BB962C8B-B14F-4D97-AF65-F5344CB8AC3E}">
+        <p14:creationId xmlns:p14="http://schemas.microsoft.com/office/powerpoint/2010/main" val="1442264971"/>
+      </p:ext>
+    </p:extLst>
+  </p:cSld>
+  <p:clrMapOvr>
+    <a:masterClrMapping/>
+  </p:clrMapOvr>
+  <p:timing>
+    <p:tnLst>
+      <p:par>
+        <p:cTn id="1" dur="indefinite" restart="never" nodeType="tmRoot"/>
+      </p:par>
+    </p:tnLst>
+  </p:timing>
+</p:sld>
+</file>
+
+<file path=ppt/slides/slide7.xml><?xml version="1.0" encoding="utf-8"?>
+<p:sld xmlns:a="http://schemas.openxmlformats.org/drawingml/2006/main" xmlns:r="http://schemas.openxmlformats.org/officeDocument/2006/relationships" xmlns:p="http://schemas.openxmlformats.org/presentationml/2006/main">
+  <p:cSld>
+    <p:spTree>
+      <p:nvGrpSpPr>
+        <p:cNvPr id="1" name=""/>
+        <p:cNvGrpSpPr/>
+        <p:nvPr/>
+      </p:nvGrpSpPr>
+      <p:grpSpPr>
+        <a:xfrm>
+          <a:off x="0" y="0"/>
+          <a:ext cx="0" cy="0"/>
+          <a:chOff x="0" y="0"/>
+          <a:chExt cx="0" cy="0"/>
+        </a:xfrm>
+      </p:grpSpPr>
       <p:sp>
         <p:nvSpPr>
           <p:cNvPr id="4" name="TextBox 3"/>
@@ -4229,6 +4454,13 @@
   <p:clrMapOvr>
     <a:masterClrMapping/>
   </p:clrMapOvr>
+  <p:timing>
+    <p:tnLst>
+      <p:par>
+        <p:cTn id="1" dur="indefinite" restart="never" nodeType="tmRoot"/>
+      </p:par>
+    </p:tnLst>
+  </p:timing>
 </p:sld>
 </file>
 
